--- a/docs/songs/this is our god.pptx
+++ b/docs/songs/this is our god.pptx
@@ -5,17 +5,19 @@
     <p:sldMasterId id="2147483648" r:id="rId1"/>
   </p:sldMasterIdLst>
   <p:notesMasterIdLst>
-    <p:notesMasterId r:id="rId10"/>
+    <p:notesMasterId r:id="rId12"/>
   </p:notesMasterIdLst>
   <p:sldIdLst>
-    <p:sldId id="518" r:id="rId2"/>
-    <p:sldId id="520" r:id="rId3"/>
-    <p:sldId id="521" r:id="rId4"/>
-    <p:sldId id="522" r:id="rId5"/>
-    <p:sldId id="523" r:id="rId6"/>
-    <p:sldId id="524" r:id="rId7"/>
-    <p:sldId id="525" r:id="rId8"/>
-    <p:sldId id="526" r:id="rId9"/>
+    <p:sldId id="1219" r:id="rId2"/>
+    <p:sldId id="1220" r:id="rId3"/>
+    <p:sldId id="1221" r:id="rId4"/>
+    <p:sldId id="1222" r:id="rId5"/>
+    <p:sldId id="1223" r:id="rId6"/>
+    <p:sldId id="1227" r:id="rId7"/>
+    <p:sldId id="524" r:id="rId8"/>
+    <p:sldId id="525" r:id="rId9"/>
+    <p:sldId id="1228" r:id="rId10"/>
+    <p:sldId id="526" r:id="rId11"/>
   </p:sldIdLst>
   <p:sldSz cx="9144000" cy="6858000" type="screen4x3"/>
   <p:notesSz cx="6858000" cy="9144000"/>
@@ -215,7 +217,7 @@
           <a:p>
             <a:fld id="{C57EAEFC-A9C7-464E-BE3F-33D4DD72E122}" type="datetimeFigureOut">
               <a:rPr lang="en-GB" smtClean="0"/>
-              <a:t>11/03/2024</a:t>
+              <a:t>08/07/2024</a:t>
             </a:fld>
             <a:endParaRPr lang="en-GB"/>
           </a:p>
@@ -665,7 +667,7 @@
             <a:fld id="{26EA1CF3-4A15-4CBF-9A5A-6A56C368BE71}" type="datetimeFigureOut">
               <a:rPr lang="en-GB" smtClean="0"/>
               <a:pPr/>
-              <a:t>11/03/2024</a:t>
+              <a:t>08/07/2024</a:t>
             </a:fld>
             <a:endParaRPr lang="en-GB"/>
           </a:p>
@@ -832,7 +834,7 @@
             <a:fld id="{26EA1CF3-4A15-4CBF-9A5A-6A56C368BE71}" type="datetimeFigureOut">
               <a:rPr lang="en-GB" smtClean="0"/>
               <a:pPr/>
-              <a:t>11/03/2024</a:t>
+              <a:t>08/07/2024</a:t>
             </a:fld>
             <a:endParaRPr lang="en-GB"/>
           </a:p>
@@ -1009,7 +1011,7 @@
             <a:fld id="{26EA1CF3-4A15-4CBF-9A5A-6A56C368BE71}" type="datetimeFigureOut">
               <a:rPr lang="en-GB" smtClean="0"/>
               <a:pPr/>
-              <a:t>11/03/2024</a:t>
+              <a:t>08/07/2024</a:t>
             </a:fld>
             <a:endParaRPr lang="en-GB"/>
           </a:p>
@@ -1176,7 +1178,7 @@
             <a:fld id="{26EA1CF3-4A15-4CBF-9A5A-6A56C368BE71}" type="datetimeFigureOut">
               <a:rPr lang="en-GB" smtClean="0"/>
               <a:pPr/>
-              <a:t>11/03/2024</a:t>
+              <a:t>08/07/2024</a:t>
             </a:fld>
             <a:endParaRPr lang="en-GB"/>
           </a:p>
@@ -1419,7 +1421,7 @@
             <a:fld id="{26EA1CF3-4A15-4CBF-9A5A-6A56C368BE71}" type="datetimeFigureOut">
               <a:rPr lang="en-GB" smtClean="0"/>
               <a:pPr/>
-              <a:t>11/03/2024</a:t>
+              <a:t>08/07/2024</a:t>
             </a:fld>
             <a:endParaRPr lang="en-GB"/>
           </a:p>
@@ -1704,7 +1706,7 @@
             <a:fld id="{26EA1CF3-4A15-4CBF-9A5A-6A56C368BE71}" type="datetimeFigureOut">
               <a:rPr lang="en-GB" smtClean="0"/>
               <a:pPr/>
-              <a:t>11/03/2024</a:t>
+              <a:t>08/07/2024</a:t>
             </a:fld>
             <a:endParaRPr lang="en-GB"/>
           </a:p>
@@ -2123,7 +2125,7 @@
             <a:fld id="{26EA1CF3-4A15-4CBF-9A5A-6A56C368BE71}" type="datetimeFigureOut">
               <a:rPr lang="en-GB" smtClean="0"/>
               <a:pPr/>
-              <a:t>11/03/2024</a:t>
+              <a:t>08/07/2024</a:t>
             </a:fld>
             <a:endParaRPr lang="en-GB"/>
           </a:p>
@@ -2238,7 +2240,7 @@
             <a:fld id="{26EA1CF3-4A15-4CBF-9A5A-6A56C368BE71}" type="datetimeFigureOut">
               <a:rPr lang="en-GB" smtClean="0"/>
               <a:pPr/>
-              <a:t>11/03/2024</a:t>
+              <a:t>08/07/2024</a:t>
             </a:fld>
             <a:endParaRPr lang="en-GB"/>
           </a:p>
@@ -2330,7 +2332,7 @@
             <a:fld id="{26EA1CF3-4A15-4CBF-9A5A-6A56C368BE71}" type="datetimeFigureOut">
               <a:rPr lang="en-GB" smtClean="0"/>
               <a:pPr/>
-              <a:t>11/03/2024</a:t>
+              <a:t>08/07/2024</a:t>
             </a:fld>
             <a:endParaRPr lang="en-GB"/>
           </a:p>
@@ -2604,7 +2606,7 @@
             <a:fld id="{26EA1CF3-4A15-4CBF-9A5A-6A56C368BE71}" type="datetimeFigureOut">
               <a:rPr lang="en-GB" smtClean="0"/>
               <a:pPr/>
-              <a:t>11/03/2024</a:t>
+              <a:t>08/07/2024</a:t>
             </a:fld>
             <a:endParaRPr lang="en-GB"/>
           </a:p>
@@ -2854,7 +2856,7 @@
             <a:fld id="{26EA1CF3-4A15-4CBF-9A5A-6A56C368BE71}" type="datetimeFigureOut">
               <a:rPr lang="en-GB" smtClean="0"/>
               <a:pPr/>
-              <a:t>11/03/2024</a:t>
+              <a:t>08/07/2024</a:t>
             </a:fld>
             <a:endParaRPr lang="en-GB"/>
           </a:p>
@@ -3063,7 +3065,7 @@
             <a:fld id="{26EA1CF3-4A15-4CBF-9A5A-6A56C368BE71}" type="datetimeFigureOut">
               <a:rPr lang="en-GB" smtClean="0"/>
               <a:pPr/>
-              <a:t>11/03/2024</a:t>
+              <a:t>08/07/2024</a:t>
             </a:fld>
             <a:endParaRPr lang="en-GB"/>
           </a:p>
@@ -3715,6 +3717,122 @@
 </p:sld>
 </file>
 
+<file path=ppt/slides/slide10.xml><?xml version="1.0" encoding="utf-8"?>
+<p:sld xmlns:a="http://schemas.openxmlformats.org/drawingml/2006/main" xmlns:r="http://schemas.openxmlformats.org/officeDocument/2006/relationships" xmlns:p="http://schemas.openxmlformats.org/presentationml/2006/main">
+  <p:cSld>
+    <p:spTree>
+      <p:nvGrpSpPr>
+        <p:cNvPr id="1" name=""/>
+        <p:cNvGrpSpPr/>
+        <p:nvPr/>
+      </p:nvGrpSpPr>
+      <p:grpSpPr>
+        <a:xfrm>
+          <a:off x="0" y="0"/>
+          <a:ext cx="0" cy="0"/>
+          <a:chOff x="0" y="0"/>
+          <a:chExt cx="0" cy="0"/>
+        </a:xfrm>
+      </p:grpSpPr>
+      <p:sp>
+        <p:nvSpPr>
+          <p:cNvPr id="3" name="Subtitle 2"/>
+          <p:cNvSpPr>
+            <a:spLocks noGrp="1"/>
+          </p:cNvSpPr>
+          <p:nvPr>
+            <p:ph type="subTitle" idx="1"/>
+          </p:nvPr>
+        </p:nvSpPr>
+        <p:spPr>
+          <a:xfrm>
+            <a:off x="251520" y="764704"/>
+            <a:ext cx="8640960" cy="6480720"/>
+          </a:xfrm>
+        </p:spPr>
+        <p:txBody>
+          <a:bodyPr>
+            <a:noAutofit/>
+          </a:bodyPr>
+          <a:lstStyle/>
+          <a:p>
+            <a:r>
+              <a:rPr lang="en-GB" sz="4000" dirty="0">
+                <a:solidFill>
+                  <a:schemeClr val="bg1"/>
+                </a:solidFill>
+              </a:rPr>
+              <a:t>He bore the cross beat the grave</a:t>
+            </a:r>
+          </a:p>
+          <a:p>
+            <a:r>
+              <a:rPr lang="en-GB" sz="4000" dirty="0">
+                <a:solidFill>
+                  <a:schemeClr val="bg1"/>
+                </a:solidFill>
+              </a:rPr>
+              <a:t>Let heaven and earth proclaim</a:t>
+            </a:r>
+          </a:p>
+          <a:p>
+            <a:r>
+              <a:rPr lang="en-GB" sz="4000" dirty="0">
+                <a:solidFill>
+                  <a:schemeClr val="bg1"/>
+                </a:solidFill>
+              </a:rPr>
+              <a:t>This is our God King Jesus</a:t>
+            </a:r>
+          </a:p>
+        </p:txBody>
+      </p:sp>
+      <p:sp>
+        <p:nvSpPr>
+          <p:cNvPr id="4" name="TextBox 3"/>
+          <p:cNvSpPr txBox="1"/>
+          <p:nvPr/>
+        </p:nvSpPr>
+        <p:spPr>
+          <a:xfrm>
+            <a:off x="8316416" y="0"/>
+            <a:ext cx="628698" cy="461665"/>
+          </a:xfrm>
+          <a:prstGeom prst="rect">
+            <a:avLst/>
+          </a:prstGeom>
+          <a:noFill/>
+        </p:spPr>
+        <p:txBody>
+          <a:bodyPr wrap="none" rtlCol="0">
+            <a:spAutoFit/>
+          </a:bodyPr>
+          <a:lstStyle/>
+          <a:p>
+            <a:r>
+              <a:rPr lang="en-GB" sz="2400" b="1" dirty="0">
+                <a:solidFill>
+                  <a:schemeClr val="bg1"/>
+                </a:solidFill>
+              </a:rPr>
+              <a:t>9/9</a:t>
+            </a:r>
+          </a:p>
+        </p:txBody>
+      </p:sp>
+    </p:spTree>
+    <p:extLst>
+      <p:ext uri="{BB962C8B-B14F-4D97-AF65-F5344CB8AC3E}">
+        <p14:creationId xmlns:p14="http://schemas.microsoft.com/office/powerpoint/2010/main" val="433609200"/>
+      </p:ext>
+    </p:extLst>
+  </p:cSld>
+  <p:clrMapOvr>
+    <a:masterClrMapping/>
+  </p:clrMapOvr>
+</p:sld>
+</file>
+
 <file path=ppt/slides/slide2.xml><?xml version="1.0" encoding="utf-8"?>
 <p:sld xmlns:a="http://schemas.openxmlformats.org/drawingml/2006/main" xmlns:r="http://schemas.openxmlformats.org/officeDocument/2006/relationships" xmlns:p="http://schemas.openxmlformats.org/presentationml/2006/main">
   <p:cSld>
@@ -3823,7 +3941,7 @@
                   <a:schemeClr val="bg1"/>
                 </a:solidFill>
               </a:rPr>
-              <a:t>1/7</a:t>
+              <a:t>1/9</a:t>
             </a:r>
           </a:p>
         </p:txBody>
@@ -3949,7 +4067,7 @@
                   <a:schemeClr val="bg1"/>
                 </a:solidFill>
               </a:rPr>
-              <a:t>2/7</a:t>
+              <a:t>2/9</a:t>
             </a:r>
           </a:p>
         </p:txBody>
@@ -4105,7 +4223,7 @@
                   <a:schemeClr val="bg1"/>
                 </a:solidFill>
               </a:rPr>
-              <a:t>3/7</a:t>
+              <a:t>3/9</a:t>
             </a:r>
           </a:p>
         </p:txBody>
@@ -4251,7 +4369,7 @@
                   <a:schemeClr val="bg1"/>
                 </a:solidFill>
               </a:rPr>
-              <a:t>4/7</a:t>
+              <a:t>4/9</a:t>
             </a:r>
           </a:p>
         </p:txBody>
@@ -4314,7 +4432,7 @@
                   <a:schemeClr val="bg1"/>
                 </a:solidFill>
               </a:rPr>
-              <a:t>Who pulled me out of that pit</a:t>
+              <a:t>This is our God this is who He is</a:t>
             </a:r>
           </a:p>
           <a:p>
@@ -4324,7 +4442,7 @@
                   <a:schemeClr val="bg1"/>
                 </a:solidFill>
               </a:rPr>
-              <a:t>He did He did</a:t>
+              <a:t>He loves us</a:t>
             </a:r>
           </a:p>
           <a:p>
@@ -4334,7 +4452,7 @@
                   <a:schemeClr val="bg1"/>
                 </a:solidFill>
               </a:rPr>
-              <a:t>Who paid for all of our sin</a:t>
+              <a:t>This is our God this is what He does</a:t>
             </a:r>
           </a:p>
           <a:p>
@@ -4344,7 +4462,37 @@
                   <a:schemeClr val="bg1"/>
                 </a:solidFill>
               </a:rPr>
-              <a:t>Nobody but Jesus</a:t>
+              <a:t>He saves us</a:t>
+            </a:r>
+          </a:p>
+          <a:p>
+            <a:r>
+              <a:rPr lang="en-GB" sz="4000" dirty="0">
+                <a:solidFill>
+                  <a:schemeClr val="bg1"/>
+                </a:solidFill>
+              </a:rPr>
+              <a:t>He bore the cross beat the grave</a:t>
+            </a:r>
+          </a:p>
+          <a:p>
+            <a:r>
+              <a:rPr lang="en-GB" sz="4000" dirty="0">
+                <a:solidFill>
+                  <a:schemeClr val="bg1"/>
+                </a:solidFill>
+              </a:rPr>
+              <a:t>Let heaven and earth proclaim</a:t>
+            </a:r>
+          </a:p>
+          <a:p>
+            <a:r>
+              <a:rPr lang="en-GB" sz="4000" dirty="0">
+                <a:solidFill>
+                  <a:schemeClr val="bg1"/>
+                </a:solidFill>
+              </a:rPr>
+              <a:t>This is our God King Jesus</a:t>
             </a:r>
           </a:p>
         </p:txBody>
@@ -4377,7 +4525,7 @@
                   <a:schemeClr val="bg1"/>
                 </a:solidFill>
               </a:rPr>
-              <a:t>5/7</a:t>
+              <a:t>5/9</a:t>
             </a:r>
           </a:p>
         </p:txBody>
@@ -4385,7 +4533,7 @@
     </p:spTree>
     <p:extLst>
       <p:ext uri="{BB962C8B-B14F-4D97-AF65-F5344CB8AC3E}">
-        <p14:creationId xmlns:p14="http://schemas.microsoft.com/office/powerpoint/2010/main" val="3380602350"/>
+        <p14:creationId xmlns:p14="http://schemas.microsoft.com/office/powerpoint/2010/main" val="1807002910"/>
       </p:ext>
     </p:extLst>
   </p:cSld>
@@ -4440,7 +4588,7 @@
                   <a:schemeClr val="bg1"/>
                 </a:solidFill>
               </a:rPr>
-              <a:t>Who rescued me from that grave</a:t>
+              <a:t>Who pulled me out of that pit</a:t>
             </a:r>
           </a:p>
           <a:p>
@@ -4450,21 +4598,8 @@
                   <a:schemeClr val="bg1"/>
                 </a:solidFill>
               </a:rPr>
-              <a:t>Yahweh </a:t>
-            </a:r>
-            <a:r>
-              <a:rPr lang="en-GB" sz="4000" dirty="0" err="1">
-                <a:solidFill>
-                  <a:schemeClr val="bg1"/>
-                </a:solidFill>
-              </a:rPr>
-              <a:t>Yahweh</a:t>
-            </a:r>
-            <a:endParaRPr lang="en-GB" sz="4000" dirty="0">
-              <a:solidFill>
-                <a:schemeClr val="bg1"/>
-              </a:solidFill>
-            </a:endParaRPr>
+              <a:t>He did He did</a:t>
+            </a:r>
           </a:p>
           <a:p>
             <a:r>
@@ -4473,7 +4608,7 @@
                   <a:schemeClr val="bg1"/>
                 </a:solidFill>
               </a:rPr>
-              <a:t>Who gets the glory and praise</a:t>
+              <a:t>Who paid for all of our sin</a:t>
             </a:r>
           </a:p>
           <a:p>
@@ -4483,7 +4618,7 @@
                   <a:schemeClr val="bg1"/>
                 </a:solidFill>
               </a:rPr>
-              <a:t>Nobody but Jesus (Him)</a:t>
+              <a:t>Nobody but Jesus</a:t>
             </a:r>
           </a:p>
         </p:txBody>
@@ -4516,7 +4651,7 @@
                   <a:schemeClr val="bg1"/>
                 </a:solidFill>
               </a:rPr>
-              <a:t>6/7</a:t>
+              <a:t>6/9</a:t>
             </a:r>
           </a:p>
         </p:txBody>
@@ -4524,7 +4659,7 @@
     </p:spTree>
     <p:extLst>
       <p:ext uri="{BB962C8B-B14F-4D97-AF65-F5344CB8AC3E}">
-        <p14:creationId xmlns:p14="http://schemas.microsoft.com/office/powerpoint/2010/main" val="2147548330"/>
+        <p14:creationId xmlns:p14="http://schemas.microsoft.com/office/powerpoint/2010/main" val="3380602350"/>
       </p:ext>
     </p:extLst>
   </p:cSld>
@@ -4579,7 +4714,7 @@
                   <a:schemeClr val="bg1"/>
                 </a:solidFill>
               </a:rPr>
-              <a:t>He bore the cross beat the grave</a:t>
+              <a:t>Who rescued me from that grave</a:t>
             </a:r>
           </a:p>
           <a:p>
@@ -4589,8 +4724,21 @@
                   <a:schemeClr val="bg1"/>
                 </a:solidFill>
               </a:rPr>
-              <a:t>Let heaven and earth proclaim</a:t>
-            </a:r>
+              <a:t>Yahweh </a:t>
+            </a:r>
+            <a:r>
+              <a:rPr lang="en-GB" sz="4000" dirty="0" err="1">
+                <a:solidFill>
+                  <a:schemeClr val="bg1"/>
+                </a:solidFill>
+              </a:rPr>
+              <a:t>Yahweh</a:t>
+            </a:r>
+            <a:endParaRPr lang="en-GB" sz="4000" dirty="0">
+              <a:solidFill>
+                <a:schemeClr val="bg1"/>
+              </a:solidFill>
+            </a:endParaRPr>
           </a:p>
           <a:p>
             <a:r>
@@ -4599,7 +4747,17 @@
                   <a:schemeClr val="bg1"/>
                 </a:solidFill>
               </a:rPr>
-              <a:t>This is our God King Jesus</a:t>
+              <a:t>Who gets the glory and praise</a:t>
+            </a:r>
+          </a:p>
+          <a:p>
+            <a:r>
+              <a:rPr lang="en-GB" sz="4000" dirty="0">
+                <a:solidFill>
+                  <a:schemeClr val="bg1"/>
+                </a:solidFill>
+              </a:rPr>
+              <a:t>Nobody but Jesus (Him)</a:t>
             </a:r>
           </a:p>
         </p:txBody>
@@ -4632,7 +4790,7 @@
                   <a:schemeClr val="bg1"/>
                 </a:solidFill>
               </a:rPr>
-              <a:t>7/7</a:t>
+              <a:t>7/9</a:t>
             </a:r>
           </a:p>
         </p:txBody>
@@ -4640,7 +4798,163 @@
     </p:spTree>
     <p:extLst>
       <p:ext uri="{BB962C8B-B14F-4D97-AF65-F5344CB8AC3E}">
-        <p14:creationId xmlns:p14="http://schemas.microsoft.com/office/powerpoint/2010/main" val="433609200"/>
+        <p14:creationId xmlns:p14="http://schemas.microsoft.com/office/powerpoint/2010/main" val="2147548330"/>
+      </p:ext>
+    </p:extLst>
+  </p:cSld>
+  <p:clrMapOvr>
+    <a:masterClrMapping/>
+  </p:clrMapOvr>
+</p:sld>
+</file>
+
+<file path=ppt/slides/slide9.xml><?xml version="1.0" encoding="utf-8"?>
+<p:sld xmlns:a="http://schemas.openxmlformats.org/drawingml/2006/main" xmlns:r="http://schemas.openxmlformats.org/officeDocument/2006/relationships" xmlns:p="http://schemas.openxmlformats.org/presentationml/2006/main">
+  <p:cSld>
+    <p:spTree>
+      <p:nvGrpSpPr>
+        <p:cNvPr id="1" name=""/>
+        <p:cNvGrpSpPr/>
+        <p:nvPr/>
+      </p:nvGrpSpPr>
+      <p:grpSpPr>
+        <a:xfrm>
+          <a:off x="0" y="0"/>
+          <a:ext cx="0" cy="0"/>
+          <a:chOff x="0" y="0"/>
+          <a:chExt cx="0" cy="0"/>
+        </a:xfrm>
+      </p:grpSpPr>
+      <p:sp>
+        <p:nvSpPr>
+          <p:cNvPr id="3" name="Subtitle 2"/>
+          <p:cNvSpPr>
+            <a:spLocks noGrp="1"/>
+          </p:cNvSpPr>
+          <p:nvPr>
+            <p:ph type="subTitle" idx="1"/>
+          </p:nvPr>
+        </p:nvSpPr>
+        <p:spPr>
+          <a:xfrm>
+            <a:off x="251520" y="764704"/>
+            <a:ext cx="8640960" cy="6480720"/>
+          </a:xfrm>
+        </p:spPr>
+        <p:txBody>
+          <a:bodyPr>
+            <a:noAutofit/>
+          </a:bodyPr>
+          <a:lstStyle/>
+          <a:p>
+            <a:r>
+              <a:rPr lang="en-GB" sz="4000" dirty="0">
+                <a:solidFill>
+                  <a:schemeClr val="bg1"/>
+                </a:solidFill>
+              </a:rPr>
+              <a:t>This is our God this is who He is</a:t>
+            </a:r>
+          </a:p>
+          <a:p>
+            <a:r>
+              <a:rPr lang="en-GB" sz="4000" dirty="0">
+                <a:solidFill>
+                  <a:schemeClr val="bg1"/>
+                </a:solidFill>
+              </a:rPr>
+              <a:t>He loves us</a:t>
+            </a:r>
+          </a:p>
+          <a:p>
+            <a:r>
+              <a:rPr lang="en-GB" sz="4000" dirty="0">
+                <a:solidFill>
+                  <a:schemeClr val="bg1"/>
+                </a:solidFill>
+              </a:rPr>
+              <a:t>This is our God this is what He does</a:t>
+            </a:r>
+          </a:p>
+          <a:p>
+            <a:r>
+              <a:rPr lang="en-GB" sz="4000" dirty="0">
+                <a:solidFill>
+                  <a:schemeClr val="bg1"/>
+                </a:solidFill>
+              </a:rPr>
+              <a:t>He saves us</a:t>
+            </a:r>
+          </a:p>
+          <a:p>
+            <a:r>
+              <a:rPr lang="en-GB" sz="4000" dirty="0">
+                <a:solidFill>
+                  <a:schemeClr val="bg1"/>
+                </a:solidFill>
+              </a:rPr>
+              <a:t>He bore the cross beat the grave</a:t>
+            </a:r>
+          </a:p>
+          <a:p>
+            <a:r>
+              <a:rPr lang="en-GB" sz="4000" dirty="0">
+                <a:solidFill>
+                  <a:schemeClr val="bg1"/>
+                </a:solidFill>
+              </a:rPr>
+              <a:t>Let heaven and earth proclaim</a:t>
+            </a:r>
+          </a:p>
+          <a:p>
+            <a:r>
+              <a:rPr lang="en-GB" sz="4000" dirty="0">
+                <a:solidFill>
+                  <a:schemeClr val="bg1"/>
+                </a:solidFill>
+              </a:rPr>
+              <a:t>This is our God King Jesus</a:t>
+            </a:r>
+          </a:p>
+        </p:txBody>
+      </p:sp>
+      <p:sp>
+        <p:nvSpPr>
+          <p:cNvPr id="4" name="TextBox 3"/>
+          <p:cNvSpPr txBox="1"/>
+          <p:nvPr/>
+        </p:nvSpPr>
+        <p:spPr>
+          <a:xfrm>
+            <a:off x="8316416" y="0"/>
+            <a:ext cx="628698" cy="461665"/>
+          </a:xfrm>
+          <a:prstGeom prst="rect">
+            <a:avLst/>
+          </a:prstGeom>
+          <a:noFill/>
+        </p:spPr>
+        <p:txBody>
+          <a:bodyPr wrap="none" rtlCol="0">
+            <a:spAutoFit/>
+          </a:bodyPr>
+          <a:lstStyle/>
+          <a:p>
+            <a:r>
+              <a:rPr lang="en-GB" sz="2400" b="1" dirty="0">
+                <a:solidFill>
+                  <a:schemeClr val="bg1"/>
+                </a:solidFill>
+              </a:rPr>
+              <a:t>8/9</a:t>
+            </a:r>
+          </a:p>
+        </p:txBody>
+      </p:sp>
+    </p:spTree>
+    <p:extLst>
+      <p:ext uri="{BB962C8B-B14F-4D97-AF65-F5344CB8AC3E}">
+        <p14:creationId xmlns:p14="http://schemas.microsoft.com/office/powerpoint/2010/main" val="3237966961"/>
       </p:ext>
     </p:extLst>
   </p:cSld>
